--- a/Criptografía taller práctico.pptx
+++ b/Criptografía taller práctico.pptx
@@ -21,6 +21,9 @@
     <p:sldId id="269" r:id="rId15"/>
     <p:sldId id="270" r:id="rId16"/>
     <p:sldId id="271" r:id="rId17"/>
+    <p:sldId id="272" r:id="rId18"/>
+    <p:sldId id="273" r:id="rId19"/>
+    <p:sldId id="274" r:id="rId20"/>
   </p:sldIdLst>
   <p:sldSz cx="12192000" cy="6858000"/>
   <p:notesSz cx="6858000" cy="9144000"/>
@@ -119,6 +122,11 @@
       </a:defRPr>
     </a:lvl9pPr>
   </p:defaultTextStyle>
+  <p:extLst>
+    <p:ext uri="{EFAFB233-063F-42B5-8137-9DF3F51BA10A}">
+      <p15:sldGuideLst xmlns:p15="http://schemas.microsoft.com/office/powerpoint/2012/main"/>
+    </p:ext>
+  </p:extLst>
 </p:presentation>
 </file>
 
@@ -3751,7 +3759,7 @@
           <a:p>
             <a:r>
               <a:rPr lang="es-ES" dirty="0"/>
-              <a:t>Criptografía hibrida</a:t>
+              <a:t>Criptografía híbrida</a:t>
             </a:r>
           </a:p>
         </p:txBody>
@@ -3774,29 +3782,31 @@
         </p:nvSpPr>
         <p:spPr/>
         <p:txBody>
-          <a:bodyPr/>
-          <a:lstStyle/>
-          <a:p>
-            <a:r>
-              <a:rPr lang="es-ES" dirty="0"/>
+          <a:bodyPr>
+            <a:normAutofit/>
+          </a:bodyPr>
+          <a:lstStyle/>
+          <a:p>
+            <a:r>
+              <a:rPr lang="es-ES" sz="2400" dirty="0"/>
               <a:t>En el próximo archivo mezcla conceptos, usa RSA, AES y también SHA256.</a:t>
             </a:r>
           </a:p>
           <a:p>
             <a:r>
-              <a:rPr lang="es-ES" dirty="0"/>
+              <a:rPr lang="es-ES" sz="2400" dirty="0"/>
               <a:t>Las cosas que pueden hacer es la generación de pares de claves RSA.</a:t>
             </a:r>
           </a:p>
           <a:p>
             <a:r>
-              <a:rPr lang="es-ES" dirty="0"/>
+              <a:rPr lang="es-ES" sz="2400" dirty="0"/>
               <a:t>Cifrado/descifrado empleando RSA con AES.</a:t>
             </a:r>
           </a:p>
           <a:p>
             <a:r>
-              <a:rPr lang="es-ES" dirty="0"/>
+              <a:rPr lang="es-ES" sz="2400" dirty="0"/>
               <a:t>Firma y verificación con RSA + SHA256</a:t>
             </a:r>
           </a:p>
@@ -4355,6 +4365,655 @@
 </p:sld>
 </file>
 
+<file path=ppt/slides/slide17.xml><?xml version="1.0" encoding="utf-8"?>
+<p:sld xmlns:a="http://schemas.openxmlformats.org/drawingml/2006/main" xmlns:r="http://schemas.openxmlformats.org/officeDocument/2006/relationships" xmlns:p="http://schemas.openxmlformats.org/presentationml/2006/main">
+  <p:cSld>
+    <p:spTree>
+      <p:nvGrpSpPr>
+        <p:cNvPr id="1" name=""/>
+        <p:cNvGrpSpPr/>
+        <p:nvPr/>
+      </p:nvGrpSpPr>
+      <p:grpSpPr>
+        <a:xfrm>
+          <a:off x="0" y="0"/>
+          <a:ext cx="0" cy="0"/>
+          <a:chOff x="0" y="0"/>
+          <a:chExt cx="0" cy="0"/>
+        </a:xfrm>
+      </p:grpSpPr>
+      <p:sp>
+        <p:nvSpPr>
+          <p:cNvPr id="2" name="Título 1">
+            <a:extLst>
+              <a:ext uri="{FF2B5EF4-FFF2-40B4-BE49-F238E27FC236}">
+                <a16:creationId xmlns:a16="http://schemas.microsoft.com/office/drawing/2014/main" id="{961F6D2D-787C-7232-3D8A-E32D45150262}"/>
+              </a:ext>
+            </a:extLst>
+          </p:cNvPr>
+          <p:cNvSpPr>
+            <a:spLocks noGrp="1"/>
+          </p:cNvSpPr>
+          <p:nvPr>
+            <p:ph type="title"/>
+          </p:nvPr>
+        </p:nvSpPr>
+        <p:spPr/>
+        <p:txBody>
+          <a:bodyPr/>
+          <a:lstStyle/>
+          <a:p>
+            <a:r>
+              <a:rPr lang="es-ES" dirty="0" err="1"/>
+              <a:t>Veracrypt</a:t>
+            </a:r>
+            <a:endParaRPr lang="es-ES" dirty="0"/>
+          </a:p>
+        </p:txBody>
+      </p:sp>
+      <p:pic>
+        <p:nvPicPr>
+          <p:cNvPr id="6" name="Marcador de contenido 5" descr="Interfaz de usuario gráfica, Aplicación&#10;&#10;El contenido generado por IA puede ser incorrecto.">
+            <a:extLst>
+              <a:ext uri="{FF2B5EF4-FFF2-40B4-BE49-F238E27FC236}">
+                <a16:creationId xmlns:a16="http://schemas.microsoft.com/office/drawing/2014/main" id="{12FAFA6D-D653-8518-E5EB-96B75E4196CA}"/>
+              </a:ext>
+            </a:extLst>
+          </p:cNvPr>
+          <p:cNvPicPr>
+            <a:picLocks noGrp="1" noChangeAspect="1"/>
+          </p:cNvPicPr>
+          <p:nvPr>
+            <p:ph idx="1"/>
+          </p:nvPr>
+        </p:nvPicPr>
+        <p:blipFill>
+          <a:blip r:embed="rId2">
+            <a:extLst>
+              <a:ext uri="{28A0092B-C50C-407E-A947-70E740481C1C}">
+                <a14:useLocalDpi xmlns:a14="http://schemas.microsoft.com/office/drawing/2010/main" val="0"/>
+              </a:ext>
+            </a:extLst>
+          </a:blip>
+          <a:stretch>
+            <a:fillRect/>
+          </a:stretch>
+        </p:blipFill>
+        <p:spPr>
+          <a:xfrm>
+            <a:off x="2849541" y="1614989"/>
+            <a:ext cx="6492917" cy="4328611"/>
+          </a:xfrm>
+        </p:spPr>
+      </p:pic>
+      <p:pic>
+        <p:nvPicPr>
+          <p:cNvPr id="4" name="Imagen 3" descr="VeraCrypt">
+            <a:extLst>
+              <a:ext uri="{FF2B5EF4-FFF2-40B4-BE49-F238E27FC236}">
+                <a16:creationId xmlns:a16="http://schemas.microsoft.com/office/drawing/2014/main" id="{25A3694C-AFC3-BE01-32FE-35E94C84B089}"/>
+              </a:ext>
+            </a:extLst>
+          </p:cNvPr>
+          <p:cNvPicPr>
+            <a:picLocks noChangeAspect="1"/>
+          </p:cNvPicPr>
+          <p:nvPr/>
+        </p:nvPicPr>
+        <p:blipFill>
+          <a:blip r:embed="rId3"/>
+          <a:stretch>
+            <a:fillRect/>
+          </a:stretch>
+        </p:blipFill>
+        <p:spPr>
+          <a:xfrm>
+            <a:off x="10439267" y="791169"/>
+            <a:ext cx="952633" cy="952633"/>
+          </a:xfrm>
+          <a:prstGeom prst="rect">
+            <a:avLst/>
+          </a:prstGeom>
+        </p:spPr>
+      </p:pic>
+    </p:spTree>
+    <p:extLst>
+      <p:ext uri="{BB962C8B-B14F-4D97-AF65-F5344CB8AC3E}">
+        <p14:creationId xmlns:p14="http://schemas.microsoft.com/office/powerpoint/2010/main" val="702570150"/>
+      </p:ext>
+    </p:extLst>
+  </p:cSld>
+  <p:clrMapOvr>
+    <a:masterClrMapping/>
+  </p:clrMapOvr>
+</p:sld>
+</file>
+
+<file path=ppt/slides/slide18.xml><?xml version="1.0" encoding="utf-8"?>
+<p:sld xmlns:a="http://schemas.openxmlformats.org/drawingml/2006/main" xmlns:r="http://schemas.openxmlformats.org/officeDocument/2006/relationships" xmlns:p="http://schemas.openxmlformats.org/presentationml/2006/main">
+  <p:cSld>
+    <p:spTree>
+      <p:nvGrpSpPr>
+        <p:cNvPr id="1" name=""/>
+        <p:cNvGrpSpPr/>
+        <p:nvPr/>
+      </p:nvGrpSpPr>
+      <p:grpSpPr>
+        <a:xfrm>
+          <a:off x="0" y="0"/>
+          <a:ext cx="0" cy="0"/>
+          <a:chOff x="0" y="0"/>
+          <a:chExt cx="0" cy="0"/>
+        </a:xfrm>
+      </p:grpSpPr>
+      <p:sp>
+        <p:nvSpPr>
+          <p:cNvPr id="2" name="Título 1">
+            <a:extLst>
+              <a:ext uri="{FF2B5EF4-FFF2-40B4-BE49-F238E27FC236}">
+                <a16:creationId xmlns:a16="http://schemas.microsoft.com/office/drawing/2014/main" id="{9BCEA849-8A66-242C-E82D-08DA2E395601}"/>
+              </a:ext>
+            </a:extLst>
+          </p:cNvPr>
+          <p:cNvSpPr>
+            <a:spLocks noGrp="1"/>
+          </p:cNvSpPr>
+          <p:nvPr>
+            <p:ph type="title"/>
+          </p:nvPr>
+        </p:nvSpPr>
+        <p:spPr/>
+        <p:txBody>
+          <a:bodyPr/>
+          <a:lstStyle/>
+          <a:p>
+            <a:r>
+              <a:rPr lang="es-ES" dirty="0"/>
+              <a:t>Pasos a seguir</a:t>
+            </a:r>
+          </a:p>
+        </p:txBody>
+      </p:sp>
+      <p:sp>
+        <p:nvSpPr>
+          <p:cNvPr id="3" name="Marcador de contenido 2">
+            <a:extLst>
+              <a:ext uri="{FF2B5EF4-FFF2-40B4-BE49-F238E27FC236}">
+                <a16:creationId xmlns:a16="http://schemas.microsoft.com/office/drawing/2014/main" id="{21B531E6-925F-4B74-AEEC-401E55F39841}"/>
+              </a:ext>
+            </a:extLst>
+          </p:cNvPr>
+          <p:cNvSpPr>
+            <a:spLocks noGrp="1"/>
+          </p:cNvSpPr>
+          <p:nvPr>
+            <p:ph idx="1"/>
+          </p:nvPr>
+        </p:nvSpPr>
+        <p:spPr/>
+        <p:txBody>
+          <a:bodyPr/>
+          <a:lstStyle/>
+          <a:p>
+            <a:r>
+              <a:rPr lang="es-ES" dirty="0"/>
+              <a:t>Crear un volumen</a:t>
+            </a:r>
+          </a:p>
+          <a:p>
+            <a:r>
+              <a:rPr lang="es-ES" dirty="0"/>
+              <a:t>Cifrarlo con una contraseña.</a:t>
+            </a:r>
+          </a:p>
+          <a:p>
+            <a:r>
+              <a:rPr lang="es-ES" dirty="0"/>
+              <a:t>Seleccionar el volumen e introducir la misma contraseña.</a:t>
+            </a:r>
+          </a:p>
+        </p:txBody>
+      </p:sp>
+    </p:spTree>
+    <p:extLst>
+      <p:ext uri="{BB962C8B-B14F-4D97-AF65-F5344CB8AC3E}">
+        <p14:creationId xmlns:p14="http://schemas.microsoft.com/office/powerpoint/2010/main" val="2184644065"/>
+      </p:ext>
+    </p:extLst>
+  </p:cSld>
+  <p:clrMapOvr>
+    <a:masterClrMapping/>
+  </p:clrMapOvr>
+</p:sld>
+</file>
+
+<file path=ppt/slides/slide19.xml><?xml version="1.0" encoding="utf-8"?>
+<p:sld xmlns:a="http://schemas.openxmlformats.org/drawingml/2006/main" xmlns:r="http://schemas.openxmlformats.org/officeDocument/2006/relationships" xmlns:p="http://schemas.openxmlformats.org/presentationml/2006/main">
+  <p:cSld>
+    <p:bg>
+      <p:bgPr>
+        <a:solidFill>
+          <a:schemeClr val="bg1"/>
+        </a:solidFill>
+        <a:effectLst/>
+      </p:bgPr>
+    </p:bg>
+    <p:spTree>
+      <p:nvGrpSpPr>
+        <p:cNvPr id="1" name=""/>
+        <p:cNvGrpSpPr/>
+        <p:nvPr/>
+      </p:nvGrpSpPr>
+      <p:grpSpPr>
+        <a:xfrm>
+          <a:off x="0" y="0"/>
+          <a:ext cx="0" cy="0"/>
+          <a:chOff x="0" y="0"/>
+          <a:chExt cx="0" cy="0"/>
+        </a:xfrm>
+      </p:grpSpPr>
+      <p:cxnSp>
+        <p:nvCxnSpPr>
+          <p:cNvPr id="9" name="Straight Connector 8">
+            <a:extLst>
+              <a:ext uri="{FF2B5EF4-FFF2-40B4-BE49-F238E27FC236}">
+                <a16:creationId xmlns:a16="http://schemas.microsoft.com/office/drawing/2014/main" id="{F64F9B95-9045-48D2-B9F3-2927E98F54AA}"/>
+              </a:ext>
+              <a:ext uri="{C183D7F6-B498-43B3-948B-1728B52AA6E4}">
+                <adec:decorative xmlns:adec="http://schemas.microsoft.com/office/drawing/2017/decorative" val="1"/>
+              </a:ext>
+            </a:extLst>
+          </p:cNvPr>
+          <p:cNvCxnSpPr>
+            <a:cxnSpLocks noGrp="1" noRot="1" noChangeAspect="1" noMove="1" noResize="1" noEditPoints="1" noAdjustHandles="1" noChangeArrowheads="1" noChangeShapeType="1"/>
+          </p:cNvCxnSpPr>
+          <p:nvPr>
+            <p:extLst>
+              <p:ext uri="{386F3935-93C4-4BCD-93E2-E3B085C9AB24}">
+                <p16:designElem xmlns:p16="http://schemas.microsoft.com/office/powerpoint/2015/main" val="1"/>
+              </p:ext>
+            </p:extLst>
+          </p:nvPr>
+        </p:nvCxnSpPr>
+        <p:spPr>
+          <a:xfrm>
+            <a:off x="800100" y="723900"/>
+            <a:ext cx="10591800" cy="0"/>
+          </a:xfrm>
+          <a:prstGeom prst="line">
+            <a:avLst/>
+          </a:prstGeom>
+          <a:ln w="44450">
+            <a:solidFill>
+              <a:schemeClr val="tx1"/>
+            </a:solidFill>
+          </a:ln>
+        </p:spPr>
+        <p:style>
+          <a:lnRef idx="1">
+            <a:schemeClr val="accent1"/>
+          </a:lnRef>
+          <a:fillRef idx="0">
+            <a:schemeClr val="accent1"/>
+          </a:fillRef>
+          <a:effectRef idx="0">
+            <a:schemeClr val="accent1"/>
+          </a:effectRef>
+          <a:fontRef idx="minor">
+            <a:schemeClr val="tx1"/>
+          </a:fontRef>
+        </p:style>
+      </p:cxnSp>
+      <p:cxnSp>
+        <p:nvCxnSpPr>
+          <p:cNvPr id="11" name="Straight Connector 10">
+            <a:extLst>
+              <a:ext uri="{FF2B5EF4-FFF2-40B4-BE49-F238E27FC236}">
+                <a16:creationId xmlns:a16="http://schemas.microsoft.com/office/drawing/2014/main" id="{085AA86F-6A4D-4BCB-A045-D992CDC2959B}"/>
+              </a:ext>
+              <a:ext uri="{C183D7F6-B498-43B3-948B-1728B52AA6E4}">
+                <adec:decorative xmlns:adec="http://schemas.microsoft.com/office/drawing/2017/decorative" val="1"/>
+              </a:ext>
+            </a:extLst>
+          </p:cNvPr>
+          <p:cNvCxnSpPr>
+            <a:cxnSpLocks noGrp="1" noRot="1" noChangeAspect="1" noMove="1" noResize="1" noEditPoints="1" noAdjustHandles="1" noChangeArrowheads="1" noChangeShapeType="1"/>
+          </p:cNvCxnSpPr>
+          <p:nvPr>
+            <p:extLst>
+              <p:ext uri="{386F3935-93C4-4BCD-93E2-E3B085C9AB24}">
+                <p16:designElem xmlns:p16="http://schemas.microsoft.com/office/powerpoint/2015/main" val="1"/>
+              </p:ext>
+            </p:extLst>
+          </p:nvPr>
+        </p:nvCxnSpPr>
+        <p:spPr>
+          <a:xfrm>
+            <a:off x="800100" y="6142781"/>
+            <a:ext cx="10591800" cy="0"/>
+          </a:xfrm>
+          <a:prstGeom prst="line">
+            <a:avLst/>
+          </a:prstGeom>
+          <a:ln w="12700">
+            <a:solidFill>
+              <a:schemeClr val="tx1"/>
+            </a:solidFill>
+          </a:ln>
+        </p:spPr>
+        <p:style>
+          <a:lnRef idx="1">
+            <a:schemeClr val="accent1"/>
+          </a:lnRef>
+          <a:fillRef idx="0">
+            <a:schemeClr val="accent1"/>
+          </a:fillRef>
+          <a:effectRef idx="0">
+            <a:schemeClr val="accent1"/>
+          </a:effectRef>
+          <a:fontRef idx="minor">
+            <a:schemeClr val="tx1"/>
+          </a:fontRef>
+        </p:style>
+      </p:cxnSp>
+      <p:sp useBgFill="1">
+        <p:nvSpPr>
+          <p:cNvPr id="13" name="Rectangle 12">
+            <a:extLst>
+              <a:ext uri="{FF2B5EF4-FFF2-40B4-BE49-F238E27FC236}">
+                <a16:creationId xmlns:a16="http://schemas.microsoft.com/office/drawing/2014/main" id="{33E93247-6229-44AB-A550-739E971E690B}"/>
+              </a:ext>
+              <a:ext uri="{C183D7F6-B498-43B3-948B-1728B52AA6E4}">
+                <adec:decorative xmlns:adec="http://schemas.microsoft.com/office/drawing/2017/decorative" val="1"/>
+              </a:ext>
+            </a:extLst>
+          </p:cNvPr>
+          <p:cNvSpPr>
+            <a:spLocks noGrp="1" noRot="1" noChangeAspect="1" noMove="1" noResize="1" noEditPoints="1" noAdjustHandles="1" noChangeArrowheads="1" noChangeShapeType="1" noTextEdit="1"/>
+          </p:cNvSpPr>
+          <p:nvPr>
+            <p:extLst>
+              <p:ext uri="{386F3935-93C4-4BCD-93E2-E3B085C9AB24}">
+                <p16:designElem xmlns:p16="http://schemas.microsoft.com/office/powerpoint/2015/main" val="1"/>
+              </p:ext>
+            </p:extLst>
+          </p:nvPr>
+        </p:nvSpPr>
+        <p:spPr>
+          <a:xfrm>
+            <a:off x="0" y="0"/>
+            <a:ext cx="12192000" cy="6858000"/>
+          </a:xfrm>
+          <a:prstGeom prst="rect">
+            <a:avLst/>
+          </a:prstGeom>
+          <a:ln w="12700" cap="flat" cmpd="sng" algn="ctr">
+            <a:noFill/>
+            <a:prstDash val="solid"/>
+            <a:miter lim="800000"/>
+          </a:ln>
+          <a:effectLst/>
+          <a:extLst>
+            <a:ext uri="{91240B29-F687-4F45-9708-019B960494DF}">
+              <a14:hiddenLine xmlns:a14="http://schemas.microsoft.com/office/drawing/2010/main" w="12700" cap="flat" cmpd="sng" algn="ctr">
+                <a:solidFill>
+                  <a:schemeClr val="accent1">
+                    <a:shade val="50000"/>
+                  </a:schemeClr>
+                </a:solidFill>
+                <a:prstDash val="solid"/>
+                <a:miter lim="800000"/>
+              </a14:hiddenLine>
+            </a:ext>
+          </a:extLst>
+        </p:spPr>
+        <p:style>
+          <a:lnRef idx="2">
+            <a:schemeClr val="accent1">
+              <a:shade val="50000"/>
+            </a:schemeClr>
+          </a:lnRef>
+          <a:fillRef idx="1">
+            <a:schemeClr val="accent1"/>
+          </a:fillRef>
+          <a:effectRef idx="0">
+            <a:schemeClr val="accent1"/>
+          </a:effectRef>
+          <a:fontRef idx="minor">
+            <a:schemeClr val="lt1"/>
+          </a:fontRef>
+        </p:style>
+        <p:txBody>
+          <a:bodyPr rtlCol="0" anchor="ctr"/>
+          <a:lstStyle/>
+          <a:p>
+            <a:pPr algn="ctr"/>
+            <a:endParaRPr lang="en-US"/>
+          </a:p>
+        </p:txBody>
+      </p:sp>
+      <p:pic>
+        <p:nvPicPr>
+          <p:cNvPr id="5" name="Picture 4" descr="Perro asomándose por la ventana">
+            <a:extLst>
+              <a:ext uri="{FF2B5EF4-FFF2-40B4-BE49-F238E27FC236}">
+                <a16:creationId xmlns:a16="http://schemas.microsoft.com/office/drawing/2014/main" id="{CB08D558-E3F5-E70F-591F-0CD30F65B2D3}"/>
+              </a:ext>
+            </a:extLst>
+          </p:cNvPr>
+          <p:cNvPicPr>
+            <a:picLocks noChangeAspect="1"/>
+          </p:cNvPicPr>
+          <p:nvPr/>
+        </p:nvPicPr>
+        <p:blipFill>
+          <a:blip r:embed="rId2"/>
+          <a:srcRect t="13451" b="2280"/>
+          <a:stretch>
+            <a:fillRect/>
+          </a:stretch>
+        </p:blipFill>
+        <p:spPr>
+          <a:xfrm>
+            <a:off x="-2" y="-7150"/>
+            <a:ext cx="12191980" cy="6857990"/>
+          </a:xfrm>
+          <a:prstGeom prst="rect">
+            <a:avLst/>
+          </a:prstGeom>
+        </p:spPr>
+      </p:pic>
+      <p:sp>
+        <p:nvSpPr>
+          <p:cNvPr id="15" name="Rectangle 14">
+            <a:extLst>
+              <a:ext uri="{FF2B5EF4-FFF2-40B4-BE49-F238E27FC236}">
+                <a16:creationId xmlns:a16="http://schemas.microsoft.com/office/drawing/2014/main" id="{6BB6B482-ACCA-4938-8AEA-49D525C17221}"/>
+              </a:ext>
+              <a:ext uri="{C183D7F6-B498-43B3-948B-1728B52AA6E4}">
+                <adec:decorative xmlns:adec="http://schemas.microsoft.com/office/drawing/2017/decorative" val="1"/>
+              </a:ext>
+            </a:extLst>
+          </p:cNvPr>
+          <p:cNvSpPr>
+            <a:spLocks noGrp="1" noRot="1" noChangeAspect="1" noMove="1" noResize="1" noEditPoints="1" noAdjustHandles="1" noChangeArrowheads="1" noChangeShapeType="1" noTextEdit="1"/>
+          </p:cNvSpPr>
+          <p:nvPr>
+            <p:extLst>
+              <p:ext uri="{386F3935-93C4-4BCD-93E2-E3B085C9AB24}">
+                <p16:designElem xmlns:p16="http://schemas.microsoft.com/office/powerpoint/2015/main" val="1"/>
+              </p:ext>
+            </p:extLst>
+          </p:nvPr>
+        </p:nvSpPr>
+        <p:spPr>
+          <a:xfrm rot="5400000">
+            <a:off x="-46905" y="46904"/>
+            <a:ext cx="6865150" cy="6771342"/>
+          </a:xfrm>
+          <a:prstGeom prst="rect">
+            <a:avLst/>
+          </a:prstGeom>
+          <a:gradFill>
+            <a:gsLst>
+              <a:gs pos="42000">
+                <a:srgbClr val="000000">
+                  <a:alpha val="18000"/>
+                </a:srgbClr>
+              </a:gs>
+              <a:gs pos="0">
+                <a:srgbClr val="000000">
+                  <a:alpha val="0"/>
+                </a:srgbClr>
+              </a:gs>
+              <a:gs pos="100000">
+                <a:srgbClr val="000000">
+                  <a:alpha val="39000"/>
+                </a:srgbClr>
+              </a:gs>
+            </a:gsLst>
+            <a:lin ang="5400000" scaled="1"/>
+          </a:gradFill>
+          <a:ln>
+            <a:noFill/>
+          </a:ln>
+        </p:spPr>
+        <p:style>
+          <a:lnRef idx="2">
+            <a:schemeClr val="accent1">
+              <a:shade val="50000"/>
+            </a:schemeClr>
+          </a:lnRef>
+          <a:fillRef idx="1">
+            <a:schemeClr val="accent1"/>
+          </a:fillRef>
+          <a:effectRef idx="0">
+            <a:schemeClr val="accent1"/>
+          </a:effectRef>
+          <a:fontRef idx="minor">
+            <a:schemeClr val="lt1"/>
+          </a:fontRef>
+        </p:style>
+        <p:txBody>
+          <a:bodyPr rtlCol="0" anchor="ctr"/>
+          <a:lstStyle/>
+          <a:p>
+            <a:pPr algn="ctr"/>
+            <a:endParaRPr lang="en-US" dirty="0"/>
+          </a:p>
+        </p:txBody>
+      </p:sp>
+      <p:sp>
+        <p:nvSpPr>
+          <p:cNvPr id="2" name="Título 1">
+            <a:extLst>
+              <a:ext uri="{FF2B5EF4-FFF2-40B4-BE49-F238E27FC236}">
+                <a16:creationId xmlns:a16="http://schemas.microsoft.com/office/drawing/2014/main" id="{592FAEE7-1D96-F268-E1B5-F2FE267A2950}"/>
+              </a:ext>
+            </a:extLst>
+          </p:cNvPr>
+          <p:cNvSpPr>
+            <a:spLocks noGrp="1"/>
+          </p:cNvSpPr>
+          <p:nvPr>
+            <p:ph type="title"/>
+          </p:nvPr>
+        </p:nvSpPr>
+        <p:spPr>
+          <a:xfrm>
+            <a:off x="704088" y="2244909"/>
+            <a:ext cx="4693473" cy="3954040"/>
+          </a:xfrm>
+        </p:spPr>
+        <p:txBody>
+          <a:bodyPr vert="horz" lIns="91440" tIns="45720" rIns="91440" bIns="45720" rtlCol="0" anchor="b">
+            <a:normAutofit/>
+          </a:bodyPr>
+          <a:lstStyle/>
+          <a:p>
+            <a:r>
+              <a:rPr lang="en-US" sz="5400">
+                <a:solidFill>
+                  <a:srgbClr val="FFFFFF"/>
+                </a:solidFill>
+              </a:rPr>
+              <a:t>FIN</a:t>
+            </a:r>
+          </a:p>
+        </p:txBody>
+      </p:sp>
+      <p:cxnSp>
+        <p:nvCxnSpPr>
+          <p:cNvPr id="17" name="Straight Connector 16">
+            <a:extLst>
+              <a:ext uri="{FF2B5EF4-FFF2-40B4-BE49-F238E27FC236}">
+                <a16:creationId xmlns:a16="http://schemas.microsoft.com/office/drawing/2014/main" id="{EE2E603F-4A95-4FE8-BB06-211DFD75DBEF}"/>
+              </a:ext>
+              <a:ext uri="{C183D7F6-B498-43B3-948B-1728B52AA6E4}">
+                <adec:decorative xmlns:adec="http://schemas.microsoft.com/office/drawing/2017/decorative" val="1"/>
+              </a:ext>
+            </a:extLst>
+          </p:cNvPr>
+          <p:cNvCxnSpPr>
+            <a:cxnSpLocks noGrp="1" noRot="1" noChangeAspect="1" noMove="1" noResize="1" noEditPoints="1" noAdjustHandles="1" noChangeArrowheads="1" noChangeShapeType="1"/>
+          </p:cNvCxnSpPr>
+          <p:nvPr>
+            <p:extLst>
+              <p:ext uri="{386F3935-93C4-4BCD-93E2-E3B085C9AB24}">
+                <p16:designElem xmlns:p16="http://schemas.microsoft.com/office/powerpoint/2015/main" val="1"/>
+              </p:ext>
+            </p:extLst>
+          </p:nvPr>
+        </p:nvCxnSpPr>
+        <p:spPr>
+          <a:xfrm>
+            <a:off x="800100" y="1447800"/>
+            <a:ext cx="1638300" cy="0"/>
+          </a:xfrm>
+          <a:prstGeom prst="line">
+            <a:avLst/>
+          </a:prstGeom>
+          <a:ln w="44450">
+            <a:solidFill>
+              <a:srgbClr val="FFFFFF"/>
+            </a:solidFill>
+          </a:ln>
+          <a:effectLst>
+            <a:outerShdw blurRad="50800" dist="38100" dir="2700000" algn="tl" rotWithShape="0">
+              <a:prstClr val="black">
+                <a:alpha val="13000"/>
+              </a:prstClr>
+            </a:outerShdw>
+          </a:effectLst>
+        </p:spPr>
+        <p:style>
+          <a:lnRef idx="1">
+            <a:schemeClr val="accent1"/>
+          </a:lnRef>
+          <a:fillRef idx="0">
+            <a:schemeClr val="accent1"/>
+          </a:fillRef>
+          <a:effectRef idx="0">
+            <a:schemeClr val="accent1"/>
+          </a:effectRef>
+          <a:fontRef idx="minor">
+            <a:schemeClr val="tx1"/>
+          </a:fontRef>
+        </p:style>
+      </p:cxnSp>
+    </p:spTree>
+    <p:extLst>
+      <p:ext uri="{BB962C8B-B14F-4D97-AF65-F5344CB8AC3E}">
+        <p14:creationId xmlns:p14="http://schemas.microsoft.com/office/powerpoint/2010/main" val="531083641"/>
+      </p:ext>
+    </p:extLst>
+  </p:cSld>
+  <p:clrMapOvr>
+    <a:overrideClrMapping bg1="dk1" tx1="lt1" bg2="dk2" tx2="lt2" accent1="accent1" accent2="accent2" accent3="accent3" accent4="accent4" accent5="accent5" accent6="accent6" hlink="hlink" folHlink="folHlink"/>
+  </p:clrMapOvr>
+</p:sld>
+</file>
+
 <file path=ppt/slides/slide2.xml><?xml version="1.0" encoding="utf-8"?>
 <p:sld xmlns:a="http://schemas.openxmlformats.org/drawingml/2006/main" xmlns:r="http://schemas.openxmlformats.org/officeDocument/2006/relationships" xmlns:p="http://schemas.openxmlformats.org/presentationml/2006/main">
   <p:cSld>
@@ -4395,7 +5054,7 @@
           <a:p>
             <a:r>
               <a:rPr lang="es-ES" dirty="0"/>
-              <a:t>Cifrado cesar</a:t>
+              <a:t>Cifrado césar</a:t>
             </a:r>
           </a:p>
         </p:txBody>
@@ -4485,13 +5144,8 @@
           <a:p>
             <a:r>
               <a:rPr lang="es-ES" dirty="0"/>
-              <a:t>Cifrado de </a:t>
-            </a:r>
-            <a:r>
-              <a:rPr lang="es-ES" dirty="0" err="1"/>
-              <a:t>alberti</a:t>
-            </a:r>
-            <a:endParaRPr lang="es-ES" dirty="0"/>
+              <a:t>Cifrado de Alberti</a:t>
+            </a:r>
           </a:p>
         </p:txBody>
       </p:sp>
@@ -4697,21 +5351,22 @@
           <a:lstStyle/>
           <a:p>
             <a:r>
-              <a:rPr lang="es-ES" dirty="0"/>
+              <a:rPr lang="es-ES" sz="2400" dirty="0"/>
               <a:t>El siguiente archivo esta destinado para varias cosas, la primera de ellas es el calculo de hashes de cadenas de texto.</a:t>
             </a:r>
           </a:p>
           <a:p>
             <a:r>
-              <a:rPr lang="es-ES" dirty="0"/>
+              <a:rPr lang="es-ES" sz="2400" dirty="0"/>
               <a:t>También calcula hashes de archivos.</a:t>
             </a:r>
           </a:p>
           <a:p>
             <a:r>
-              <a:rPr lang="es-ES" dirty="0"/>
-              <a:t>Puede comparar archivos entre si.</a:t>
-            </a:r>
+              <a:rPr lang="es-ES" sz="2400" dirty="0"/>
+              <a:t>Puede comparar archivos entre sí.</a:t>
+            </a:r>
+            <a:endParaRPr lang="es-ES" dirty="0"/>
           </a:p>
         </p:txBody>
       </p:sp>
@@ -5038,7 +5693,7 @@
           <a:p>
             <a:r>
               <a:rPr lang="es-ES" dirty="0"/>
-              <a:t>Comparar imagenes</a:t>
+              <a:t>Comparar imágenes</a:t>
             </a:r>
           </a:p>
         </p:txBody>

--- a/Criptografía taller práctico.pptx
+++ b/Criptografía taller práctico.pptx
@@ -283,7 +283,7 @@
           <a:p>
             <a:fld id="{D1D1EADE-8E88-4C7C-8AC5-FB148DE4940E}" type="datetime1">
               <a:rPr lang="en-US" smtClean="0"/>
-              <a:t>11/9/2025</a:t>
+              <a:t>11/10/2025</a:t>
             </a:fld>
             <a:endParaRPr lang="en-US"/>
           </a:p>
@@ -483,7 +483,7 @@
           <a:p>
             <a:fld id="{EC3C8B9C-477D-492A-96AD-1FC2CC997A73}" type="datetime1">
               <a:rPr lang="en-US" smtClean="0"/>
-              <a:t>11/9/2025</a:t>
+              <a:t>11/10/2025</a:t>
             </a:fld>
             <a:endParaRPr lang="en-US"/>
           </a:p>
@@ -693,7 +693,7 @@
           <a:p>
             <a:fld id="{42D3AED5-E26D-4E29-B1B3-7847B6779594}" type="datetime1">
               <a:rPr lang="en-US" smtClean="0"/>
-              <a:t>11/9/2025</a:t>
+              <a:t>11/10/2025</a:t>
             </a:fld>
             <a:endParaRPr lang="en-US"/>
           </a:p>
@@ -893,7 +893,7 @@
           <a:p>
             <a:fld id="{157B6794-849E-4626-908B-D15793550EFB}" type="datetime1">
               <a:rPr lang="en-US" smtClean="0"/>
-              <a:t>11/9/2025</a:t>
+              <a:t>11/10/2025</a:t>
             </a:fld>
             <a:endParaRPr lang="en-US"/>
           </a:p>
@@ -1169,7 +1169,7 @@
           <a:p>
             <a:fld id="{63DB64E7-5594-42A3-ADBF-E95A7ACEAD64}" type="datetime1">
               <a:rPr lang="en-US" smtClean="0"/>
-              <a:t>11/9/2025</a:t>
+              <a:t>11/10/2025</a:t>
             </a:fld>
             <a:endParaRPr lang="en-US"/>
           </a:p>
@@ -1442,7 +1442,7 @@
           <a:p>
             <a:fld id="{18462B0B-D248-4FFB-8695-AD7FA4B1284A}" type="datetime1">
               <a:rPr lang="en-US" smtClean="0"/>
-              <a:t>11/9/2025</a:t>
+              <a:t>11/10/2025</a:t>
             </a:fld>
             <a:endParaRPr lang="en-US"/>
           </a:p>
@@ -1865,7 +1865,7 @@
           <a:p>
             <a:fld id="{D0378EFB-9159-4510-B73F-4F0409ADE937}" type="datetime1">
               <a:rPr lang="en-US" smtClean="0"/>
-              <a:t>11/9/2025</a:t>
+              <a:t>11/10/2025</a:t>
             </a:fld>
             <a:endParaRPr lang="en-US"/>
           </a:p>
@@ -2007,7 +2007,7 @@
           <a:p>
             <a:fld id="{89BC9412-2452-4BED-A324-9D8C115361AD}" type="datetime1">
               <a:rPr lang="en-US" smtClean="0"/>
-              <a:t>11/9/2025</a:t>
+              <a:t>11/10/2025</a:t>
             </a:fld>
             <a:endParaRPr lang="en-US"/>
           </a:p>
@@ -2120,7 +2120,7 @@
           <a:p>
             <a:fld id="{F5318F62-D251-40E8-A23C-F4CFE9FEAB41}" type="datetime1">
               <a:rPr lang="en-US" smtClean="0"/>
-              <a:t>11/9/2025</a:t>
+              <a:t>11/10/2025</a:t>
             </a:fld>
             <a:endParaRPr lang="en-US"/>
           </a:p>
@@ -2433,7 +2433,7 @@
           <a:p>
             <a:fld id="{44F76144-149E-4874-93A5-554A0357CF82}" type="datetime1">
               <a:rPr lang="en-US" smtClean="0"/>
-              <a:t>11/9/2025</a:t>
+              <a:t>11/10/2025</a:t>
             </a:fld>
             <a:endParaRPr lang="en-US"/>
           </a:p>
@@ -2726,7 +2726,7 @@
           <a:p>
             <a:fld id="{50BA65D8-0540-4835-AE5C-25D29DBA01BE}" type="datetime1">
               <a:rPr lang="en-US" smtClean="0"/>
-              <a:t>11/9/2025</a:t>
+              <a:t>11/10/2025</a:t>
             </a:fld>
             <a:endParaRPr lang="en-US"/>
           </a:p>
@@ -2968,7 +2968,7 @@
           <a:p>
             <a:fld id="{E31BA835-12AC-4E8F-955A-EA3F4DE2791F}" type="datetime1">
               <a:rPr lang="en-US" smtClean="0"/>
-              <a:t>11/9/2025</a:t>
+              <a:t>11/10/2025</a:t>
             </a:fld>
             <a:endParaRPr lang="en-US"/>
           </a:p>
@@ -5083,7 +5083,7 @@
         </p:blipFill>
         <p:spPr>
           <a:xfrm>
-            <a:off x="700088" y="2807292"/>
+            <a:off x="708477" y="2807292"/>
             <a:ext cx="10691812" cy="953522"/>
           </a:xfrm>
           <a:prstGeom prst="rect">
